--- a/Figures/Niwot/combo_edits.pptx
+++ b/Figures/Niwot/combo_edits.pptx
@@ -3339,10 +3339,10 @@
       </p:grpSpPr>
       <p:grpSp>
         <p:nvGrpSpPr>
-          <p:cNvPr id="12" name="Group 11">
-            <a:extLst>
-              <a:ext uri="{FF2B5EF4-FFF2-40B4-BE49-F238E27FC236}">
-                <a16:creationId xmlns:a16="http://schemas.microsoft.com/office/drawing/2014/main" id="{15C8F68C-34E3-A08E-0411-BA7C7E893148}"/>
+          <p:cNvPr id="4" name="Group 3">
+            <a:extLst>
+              <a:ext uri="{FF2B5EF4-FFF2-40B4-BE49-F238E27FC236}">
+                <a16:creationId xmlns:a16="http://schemas.microsoft.com/office/drawing/2014/main" id="{36910789-8810-1612-28AC-6ED3304C7F33}"/>
               </a:ext>
             </a:extLst>
           </p:cNvPr>
@@ -3357,186 +3357,283 @@
             <a:chExt cx="7520473" cy="6931726"/>
           </a:xfrm>
         </p:grpSpPr>
-        <p:pic>
-          <p:nvPicPr>
-            <p:cNvPr id="5" name="Picture 4" descr="A screenshot of a graph&#10;&#10;Description automatically generated">
+        <p:grpSp>
+          <p:nvGrpSpPr>
+            <p:cNvPr id="12" name="Group 11">
               <a:extLst>
                 <a:ext uri="{FF2B5EF4-FFF2-40B4-BE49-F238E27FC236}">
-                  <a16:creationId xmlns:a16="http://schemas.microsoft.com/office/drawing/2014/main" id="{255D262A-AFC2-51DE-EC34-61C4487DD97D}"/>
+                  <a16:creationId xmlns:a16="http://schemas.microsoft.com/office/drawing/2014/main" id="{15C8F68C-34E3-A08E-0411-BA7C7E893148}"/>
                 </a:ext>
               </a:extLst>
             </p:cNvPr>
-            <p:cNvPicPr>
-              <a:picLocks noChangeAspect="1"/>
-            </p:cNvPicPr>
+            <p:cNvGrpSpPr/>
             <p:nvPr/>
-          </p:nvPicPr>
-          <p:blipFill rotWithShape="1">
-            <a:blip r:embed="rId2">
-              <a:clrChange>
-                <a:clrFrom>
-                  <a:srgbClr val="FFFFFF"/>
-                </a:clrFrom>
-                <a:clrTo>
-                  <a:srgbClr val="FFFFFF">
-                    <a:alpha val="0"/>
-                  </a:srgbClr>
-                </a:clrTo>
-              </a:clrChange>
-              <a:extLst>
-                <a:ext uri="{28A0092B-C50C-407E-A947-70E740481C1C}">
-                  <a14:useLocalDpi xmlns:a14="http://schemas.microsoft.com/office/drawing/2010/main" val="0"/>
-                </a:ext>
-              </a:extLst>
-            </a:blip>
-            <a:srcRect r="17034"/>
-            <a:stretch/>
-          </p:blipFill>
-          <p:spPr>
+          </p:nvGrpSpPr>
+          <p:grpSpPr>
             <a:xfrm>
               <a:off x="0" y="75569"/>
               <a:ext cx="7520473" cy="6931726"/>
+              <a:chOff x="0" y="75569"/>
+              <a:chExt cx="7520473" cy="6931726"/>
+            </a:xfrm>
+          </p:grpSpPr>
+          <p:pic>
+            <p:nvPicPr>
+              <p:cNvPr id="5" name="Picture 4" descr="A screenshot of a graph&#10;&#10;Description automatically generated">
+                <a:extLst>
+                  <a:ext uri="{FF2B5EF4-FFF2-40B4-BE49-F238E27FC236}">
+                    <a16:creationId xmlns:a16="http://schemas.microsoft.com/office/drawing/2014/main" id="{255D262A-AFC2-51DE-EC34-61C4487DD97D}"/>
+                  </a:ext>
+                </a:extLst>
+              </p:cNvPr>
+              <p:cNvPicPr>
+                <a:picLocks noChangeAspect="1"/>
+              </p:cNvPicPr>
+              <p:nvPr/>
+            </p:nvPicPr>
+            <p:blipFill rotWithShape="1">
+              <a:blip r:embed="rId2">
+                <a:clrChange>
+                  <a:clrFrom>
+                    <a:srgbClr val="FFFFFF"/>
+                  </a:clrFrom>
+                  <a:clrTo>
+                    <a:srgbClr val="FFFFFF">
+                      <a:alpha val="0"/>
+                    </a:srgbClr>
+                  </a:clrTo>
+                </a:clrChange>
+                <a:extLst>
+                  <a:ext uri="{28A0092B-C50C-407E-A947-70E740481C1C}">
+                    <a14:useLocalDpi xmlns:a14="http://schemas.microsoft.com/office/drawing/2010/main" val="0"/>
+                  </a:ext>
+                </a:extLst>
+              </a:blip>
+              <a:srcRect r="17034"/>
+              <a:stretch/>
+            </p:blipFill>
+            <p:spPr>
+              <a:xfrm>
+                <a:off x="0" y="75569"/>
+                <a:ext cx="7520473" cy="6931726"/>
+              </a:xfrm>
+              <a:prstGeom prst="rect">
+                <a:avLst/>
+              </a:prstGeom>
+            </p:spPr>
+          </p:pic>
+          <p:pic>
+            <p:nvPicPr>
+              <p:cNvPr id="7" name="Picture 6" descr="A screenshot of a graph&#10;&#10;Description automatically generated">
+                <a:extLst>
+                  <a:ext uri="{FF2B5EF4-FFF2-40B4-BE49-F238E27FC236}">
+                    <a16:creationId xmlns:a16="http://schemas.microsoft.com/office/drawing/2014/main" id="{9AC79BAE-0BA8-160D-389A-E0EF22580BBD}"/>
+                  </a:ext>
+                </a:extLst>
+              </p:cNvPr>
+              <p:cNvPicPr>
+                <a:picLocks noChangeAspect="1"/>
+              </p:cNvPicPr>
+              <p:nvPr/>
+            </p:nvPicPr>
+            <p:blipFill rotWithShape="1">
+              <a:blip r:embed="rId3">
+                <a:clrChange>
+                  <a:clrFrom>
+                    <a:srgbClr val="FFFFFF"/>
+                  </a:clrFrom>
+                  <a:clrTo>
+                    <a:srgbClr val="FFFFFF">
+                      <a:alpha val="0"/>
+                    </a:srgbClr>
+                  </a:clrTo>
+                </a:clrChange>
+                <a:extLst>
+                  <a:ext uri="{28A0092B-C50C-407E-A947-70E740481C1C}">
+                    <a14:useLocalDpi xmlns:a14="http://schemas.microsoft.com/office/drawing/2010/main" val="0"/>
+                  </a:ext>
+                </a:extLst>
+              </a:blip>
+              <a:srcRect l="81292" t="61381" b="25589"/>
+              <a:stretch/>
+            </p:blipFill>
+            <p:spPr>
+              <a:xfrm>
+                <a:off x="4533130" y="3601604"/>
+                <a:ext cx="1716832" cy="914416"/>
+              </a:xfrm>
+              <a:prstGeom prst="rect">
+                <a:avLst/>
+              </a:prstGeom>
+            </p:spPr>
+          </p:pic>
+          <p:pic>
+            <p:nvPicPr>
+              <p:cNvPr id="10" name="Picture 9" descr="A screenshot of a graph&#10;&#10;Description automatically generated">
+                <a:extLst>
+                  <a:ext uri="{FF2B5EF4-FFF2-40B4-BE49-F238E27FC236}">
+                    <a16:creationId xmlns:a16="http://schemas.microsoft.com/office/drawing/2014/main" id="{2D14945B-B840-5B5C-B32C-5EE901A4B2FE}"/>
+                  </a:ext>
+                </a:extLst>
+              </p:cNvPr>
+              <p:cNvPicPr>
+                <a:picLocks noChangeAspect="1"/>
+              </p:cNvPicPr>
+              <p:nvPr/>
+            </p:nvPicPr>
+            <p:blipFill rotWithShape="1">
+              <a:blip r:embed="rId4">
+                <a:clrChange>
+                  <a:clrFrom>
+                    <a:srgbClr val="FFFFFF"/>
+                  </a:clrFrom>
+                  <a:clrTo>
+                    <a:srgbClr val="FFFFFF">
+                      <a:alpha val="0"/>
+                    </a:srgbClr>
+                  </a:clrTo>
+                </a:clrChange>
+                <a:extLst>
+                  <a:ext uri="{28A0092B-C50C-407E-A947-70E740481C1C}">
+                    <a14:useLocalDpi xmlns:a14="http://schemas.microsoft.com/office/drawing/2010/main" val="0"/>
+                  </a:ext>
+                </a:extLst>
+              </a:blip>
+              <a:srcRect l="82573" t="42805" r="3982" b="44950"/>
+              <a:stretch/>
+            </p:blipFill>
+            <p:spPr>
+              <a:xfrm>
+                <a:off x="6096000" y="3638941"/>
+                <a:ext cx="1313006" cy="914416"/>
+              </a:xfrm>
+              <a:prstGeom prst="rect">
+                <a:avLst/>
+              </a:prstGeom>
+            </p:spPr>
+          </p:pic>
+          <p:pic>
+            <p:nvPicPr>
+              <p:cNvPr id="11" name="Picture 10" descr="A screenshot of a graph&#10;&#10;Description automatically generated">
+                <a:extLst>
+                  <a:ext uri="{FF2B5EF4-FFF2-40B4-BE49-F238E27FC236}">
+                    <a16:creationId xmlns:a16="http://schemas.microsoft.com/office/drawing/2014/main" id="{B1F70AF6-1CE2-21F9-F5A5-F2CAEC8E787D}"/>
+                  </a:ext>
+                </a:extLst>
+              </p:cNvPr>
+              <p:cNvPicPr>
+                <a:picLocks noChangeAspect="1"/>
+              </p:cNvPicPr>
+              <p:nvPr/>
+            </p:nvPicPr>
+            <p:blipFill rotWithShape="1">
+              <a:blip r:embed="rId5">
+                <a:clrChange>
+                  <a:clrFrom>
+                    <a:srgbClr val="FFFFFF"/>
+                  </a:clrFrom>
+                  <a:clrTo>
+                    <a:srgbClr val="FFFFFF">
+                      <a:alpha val="0"/>
+                    </a:srgbClr>
+                  </a:clrTo>
+                </a:clrChange>
+                <a:extLst>
+                  <a:ext uri="{28A0092B-C50C-407E-A947-70E740481C1C}">
+                    <a14:useLocalDpi xmlns:a14="http://schemas.microsoft.com/office/drawing/2010/main" val="0"/>
+                  </a:ext>
+                </a:extLst>
+              </a:blip>
+              <a:srcRect l="82293" t="26532" r="7023" b="64677"/>
+              <a:stretch/>
+            </p:blipFill>
+            <p:spPr>
+              <a:xfrm>
+                <a:off x="881296" y="3869822"/>
+                <a:ext cx="1071474" cy="674188"/>
+              </a:xfrm>
+              <a:prstGeom prst="rect">
+                <a:avLst/>
+              </a:prstGeom>
+            </p:spPr>
+          </p:pic>
+        </p:grpSp>
+        <p:sp>
+          <p:nvSpPr>
+            <p:cNvPr id="2" name="TextBox 1">
+              <a:extLst>
+                <a:ext uri="{FF2B5EF4-FFF2-40B4-BE49-F238E27FC236}">
+                  <a16:creationId xmlns:a16="http://schemas.microsoft.com/office/drawing/2014/main" id="{BC3ECBC2-BE28-5864-488D-AD88A33C462D}"/>
+                </a:ext>
+              </a:extLst>
+            </p:cNvPr>
+            <p:cNvSpPr txBox="1"/>
+            <p:nvPr/>
+          </p:nvSpPr>
+          <p:spPr>
+            <a:xfrm>
+              <a:off x="1647970" y="4001156"/>
+              <a:ext cx="609600" cy="261610"/>
             </a:xfrm>
             <a:prstGeom prst="rect">
               <a:avLst/>
             </a:prstGeom>
+            <a:noFill/>
           </p:spPr>
-        </p:pic>
-        <p:pic>
-          <p:nvPicPr>
-            <p:cNvPr id="7" name="Picture 6" descr="A screenshot of a graph&#10;&#10;Description automatically generated">
+          <p:txBody>
+            <a:bodyPr wrap="square" rtlCol="0">
+              <a:spAutoFit/>
+            </a:bodyPr>
+            <a:lstStyle/>
+            <a:p>
+              <a:r>
+                <a:rPr lang="en-US" sz="1100" dirty="0">
+                  <a:latin typeface="Times New Roman" panose="02020603050405020304" pitchFamily="18" charset="0"/>
+                  <a:cs typeface="Times New Roman" panose="02020603050405020304" pitchFamily="18" charset="0"/>
+                </a:rPr>
+                <a:t>2011</a:t>
+              </a:r>
+            </a:p>
+          </p:txBody>
+        </p:sp>
+        <p:sp>
+          <p:nvSpPr>
+            <p:cNvPr id="3" name="TextBox 2">
               <a:extLst>
                 <a:ext uri="{FF2B5EF4-FFF2-40B4-BE49-F238E27FC236}">
-                  <a16:creationId xmlns:a16="http://schemas.microsoft.com/office/drawing/2014/main" id="{9AC79BAE-0BA8-160D-389A-E0EF22580BBD}"/>
+                  <a16:creationId xmlns:a16="http://schemas.microsoft.com/office/drawing/2014/main" id="{D2C9EABC-748E-C26C-6D21-6EDA2722F903}"/>
                 </a:ext>
               </a:extLst>
             </p:cNvPr>
-            <p:cNvPicPr>
-              <a:picLocks noChangeAspect="1"/>
-            </p:cNvPicPr>
+            <p:cNvSpPr txBox="1"/>
             <p:nvPr/>
-          </p:nvPicPr>
-          <p:blipFill rotWithShape="1">
-            <a:blip r:embed="rId3">
-              <a:clrChange>
-                <a:clrFrom>
-                  <a:srgbClr val="FFFFFF"/>
-                </a:clrFrom>
-                <a:clrTo>
-                  <a:srgbClr val="FFFFFF">
-                    <a:alpha val="0"/>
-                  </a:srgbClr>
-                </a:clrTo>
-              </a:clrChange>
-              <a:extLst>
-                <a:ext uri="{28A0092B-C50C-407E-A947-70E740481C1C}">
-                  <a14:useLocalDpi xmlns:a14="http://schemas.microsoft.com/office/drawing/2010/main" val="0"/>
-                </a:ext>
-              </a:extLst>
-            </a:blip>
-            <a:srcRect l="81292" t="61381" b="25589"/>
-            <a:stretch/>
-          </p:blipFill>
+          </p:nvSpPr>
           <p:spPr>
             <a:xfrm>
-              <a:off x="4533130" y="3601604"/>
-              <a:ext cx="1716832" cy="914416"/>
+              <a:off x="1647970" y="4272583"/>
+              <a:ext cx="609600" cy="261610"/>
             </a:xfrm>
             <a:prstGeom prst="rect">
               <a:avLst/>
             </a:prstGeom>
+            <a:noFill/>
           </p:spPr>
-        </p:pic>
-        <p:pic>
-          <p:nvPicPr>
-            <p:cNvPr id="10" name="Picture 9" descr="A screenshot of a graph&#10;&#10;Description automatically generated">
-              <a:extLst>
-                <a:ext uri="{FF2B5EF4-FFF2-40B4-BE49-F238E27FC236}">
-                  <a16:creationId xmlns:a16="http://schemas.microsoft.com/office/drawing/2014/main" id="{2D14945B-B840-5B5C-B32C-5EE901A4B2FE}"/>
-                </a:ext>
-              </a:extLst>
-            </p:cNvPr>
-            <p:cNvPicPr>
-              <a:picLocks noChangeAspect="1"/>
-            </p:cNvPicPr>
-            <p:nvPr/>
-          </p:nvPicPr>
-          <p:blipFill rotWithShape="1">
-            <a:blip r:embed="rId4">
-              <a:clrChange>
-                <a:clrFrom>
-                  <a:srgbClr val="FFFFFF"/>
-                </a:clrFrom>
-                <a:clrTo>
-                  <a:srgbClr val="FFFFFF">
-                    <a:alpha val="0"/>
-                  </a:srgbClr>
-                </a:clrTo>
-              </a:clrChange>
-              <a:extLst>
-                <a:ext uri="{28A0092B-C50C-407E-A947-70E740481C1C}">
-                  <a14:useLocalDpi xmlns:a14="http://schemas.microsoft.com/office/drawing/2010/main" val="0"/>
-                </a:ext>
-              </a:extLst>
-            </a:blip>
-            <a:srcRect l="82573" t="42805" r="3982" b="44950"/>
-            <a:stretch/>
-          </p:blipFill>
-          <p:spPr>
-            <a:xfrm>
-              <a:off x="6096000" y="3638941"/>
-              <a:ext cx="1313006" cy="914416"/>
-            </a:xfrm>
-            <a:prstGeom prst="rect">
-              <a:avLst/>
-            </a:prstGeom>
-          </p:spPr>
-        </p:pic>
-        <p:pic>
-          <p:nvPicPr>
-            <p:cNvPr id="11" name="Picture 10" descr="A screenshot of a graph&#10;&#10;Description automatically generated">
-              <a:extLst>
-                <a:ext uri="{FF2B5EF4-FFF2-40B4-BE49-F238E27FC236}">
-                  <a16:creationId xmlns:a16="http://schemas.microsoft.com/office/drawing/2014/main" id="{B1F70AF6-1CE2-21F9-F5A5-F2CAEC8E787D}"/>
-                </a:ext>
-              </a:extLst>
-            </p:cNvPr>
-            <p:cNvPicPr>
-              <a:picLocks noChangeAspect="1"/>
-            </p:cNvPicPr>
-            <p:nvPr/>
-          </p:nvPicPr>
-          <p:blipFill rotWithShape="1">
-            <a:blip r:embed="rId5">
-              <a:clrChange>
-                <a:clrFrom>
-                  <a:srgbClr val="FFFFFF"/>
-                </a:clrFrom>
-                <a:clrTo>
-                  <a:srgbClr val="FFFFFF">
-                    <a:alpha val="0"/>
-                  </a:srgbClr>
-                </a:clrTo>
-              </a:clrChange>
-              <a:extLst>
-                <a:ext uri="{28A0092B-C50C-407E-A947-70E740481C1C}">
-                  <a14:useLocalDpi xmlns:a14="http://schemas.microsoft.com/office/drawing/2010/main" val="0"/>
-                </a:ext>
-              </a:extLst>
-            </a:blip>
-            <a:srcRect l="82293" t="26532" r="7023" b="64677"/>
-            <a:stretch/>
-          </p:blipFill>
-          <p:spPr>
-            <a:xfrm>
-              <a:off x="897286" y="3869822"/>
-              <a:ext cx="1071474" cy="674188"/>
-            </a:xfrm>
-            <a:prstGeom prst="rect">
-              <a:avLst/>
-            </a:prstGeom>
-          </p:spPr>
-        </p:pic>
+          <p:txBody>
+            <a:bodyPr wrap="square" rtlCol="0">
+              <a:spAutoFit/>
+            </a:bodyPr>
+            <a:lstStyle/>
+            <a:p>
+              <a:r>
+                <a:rPr lang="en-US" sz="1100" dirty="0">
+                  <a:latin typeface="Times New Roman" panose="02020603050405020304" pitchFamily="18" charset="0"/>
+                  <a:cs typeface="Times New Roman" panose="02020603050405020304" pitchFamily="18" charset="0"/>
+                </a:rPr>
+                <a:t>1991</a:t>
+              </a:r>
+            </a:p>
+          </p:txBody>
+        </p:sp>
       </p:grpSp>
     </p:spTree>
     <p:extLst>

--- a/Figures/Niwot/combo_edits.pptx
+++ b/Figures/Niwot/combo_edits.pptx
@@ -270,7 +270,7 @@
           <a:p>
             <a:fld id="{D0430AAF-1F30-4EDE-8277-1D3F63129C92}" type="datetimeFigureOut">
               <a:rPr lang="en-US" smtClean="0"/>
-              <a:t>3/8/2024</a:t>
+              <a:t>6/10/2024</a:t>
             </a:fld>
             <a:endParaRPr lang="en-US"/>
           </a:p>
@@ -468,7 +468,7 @@
           <a:p>
             <a:fld id="{D0430AAF-1F30-4EDE-8277-1D3F63129C92}" type="datetimeFigureOut">
               <a:rPr lang="en-US" smtClean="0"/>
-              <a:t>3/8/2024</a:t>
+              <a:t>6/10/2024</a:t>
             </a:fld>
             <a:endParaRPr lang="en-US"/>
           </a:p>
@@ -676,7 +676,7 @@
           <a:p>
             <a:fld id="{D0430AAF-1F30-4EDE-8277-1D3F63129C92}" type="datetimeFigureOut">
               <a:rPr lang="en-US" smtClean="0"/>
-              <a:t>3/8/2024</a:t>
+              <a:t>6/10/2024</a:t>
             </a:fld>
             <a:endParaRPr lang="en-US"/>
           </a:p>
@@ -874,7 +874,7 @@
           <a:p>
             <a:fld id="{D0430AAF-1F30-4EDE-8277-1D3F63129C92}" type="datetimeFigureOut">
               <a:rPr lang="en-US" smtClean="0"/>
-              <a:t>3/8/2024</a:t>
+              <a:t>6/10/2024</a:t>
             </a:fld>
             <a:endParaRPr lang="en-US"/>
           </a:p>
@@ -1149,7 +1149,7 @@
           <a:p>
             <a:fld id="{D0430AAF-1F30-4EDE-8277-1D3F63129C92}" type="datetimeFigureOut">
               <a:rPr lang="en-US" smtClean="0"/>
-              <a:t>3/8/2024</a:t>
+              <a:t>6/10/2024</a:t>
             </a:fld>
             <a:endParaRPr lang="en-US"/>
           </a:p>
@@ -1414,7 +1414,7 @@
           <a:p>
             <a:fld id="{D0430AAF-1F30-4EDE-8277-1D3F63129C92}" type="datetimeFigureOut">
               <a:rPr lang="en-US" smtClean="0"/>
-              <a:t>3/8/2024</a:t>
+              <a:t>6/10/2024</a:t>
             </a:fld>
             <a:endParaRPr lang="en-US"/>
           </a:p>
@@ -1826,7 +1826,7 @@
           <a:p>
             <a:fld id="{D0430AAF-1F30-4EDE-8277-1D3F63129C92}" type="datetimeFigureOut">
               <a:rPr lang="en-US" smtClean="0"/>
-              <a:t>3/8/2024</a:t>
+              <a:t>6/10/2024</a:t>
             </a:fld>
             <a:endParaRPr lang="en-US"/>
           </a:p>
@@ -1967,7 +1967,7 @@
           <a:p>
             <a:fld id="{D0430AAF-1F30-4EDE-8277-1D3F63129C92}" type="datetimeFigureOut">
               <a:rPr lang="en-US" smtClean="0"/>
-              <a:t>3/8/2024</a:t>
+              <a:t>6/10/2024</a:t>
             </a:fld>
             <a:endParaRPr lang="en-US"/>
           </a:p>
@@ -2080,7 +2080,7 @@
           <a:p>
             <a:fld id="{D0430AAF-1F30-4EDE-8277-1D3F63129C92}" type="datetimeFigureOut">
               <a:rPr lang="en-US" smtClean="0"/>
-              <a:t>3/8/2024</a:t>
+              <a:t>6/10/2024</a:t>
             </a:fld>
             <a:endParaRPr lang="en-US"/>
           </a:p>
@@ -2391,7 +2391,7 @@
           <a:p>
             <a:fld id="{D0430AAF-1F30-4EDE-8277-1D3F63129C92}" type="datetimeFigureOut">
               <a:rPr lang="en-US" smtClean="0"/>
-              <a:t>3/8/2024</a:t>
+              <a:t>6/10/2024</a:t>
             </a:fld>
             <a:endParaRPr lang="en-US"/>
           </a:p>
@@ -2679,7 +2679,7 @@
           <a:p>
             <a:fld id="{D0430AAF-1F30-4EDE-8277-1D3F63129C92}" type="datetimeFigureOut">
               <a:rPr lang="en-US" smtClean="0"/>
-              <a:t>3/8/2024</a:t>
+              <a:t>6/10/2024</a:t>
             </a:fld>
             <a:endParaRPr lang="en-US"/>
           </a:p>
@@ -2920,7 +2920,7 @@
           <a:p>
             <a:fld id="{D0430AAF-1F30-4EDE-8277-1D3F63129C92}" type="datetimeFigureOut">
               <a:rPr lang="en-US" smtClean="0"/>
-              <a:t>3/8/2024</a:t>
+              <a:t>6/10/2024</a:t>
             </a:fld>
             <a:endParaRPr lang="en-US"/>
           </a:p>
@@ -3351,10 +3351,10 @@
         </p:nvGrpSpPr>
         <p:grpSpPr>
           <a:xfrm>
-            <a:off x="0" y="75569"/>
-            <a:ext cx="7520473" cy="6931726"/>
-            <a:chOff x="0" y="75569"/>
-            <a:chExt cx="7520473" cy="6931726"/>
+            <a:off x="360983" y="-36863"/>
+            <a:ext cx="7191610" cy="6931726"/>
+            <a:chOff x="360983" y="-36863"/>
+            <a:chExt cx="7191610" cy="6931726"/>
           </a:xfrm>
         </p:grpSpPr>
         <p:grpSp>
@@ -3371,15 +3371,15 @@
           </p:nvGrpSpPr>
           <p:grpSpPr>
             <a:xfrm>
-              <a:off x="0" y="75569"/>
-              <a:ext cx="7520473" cy="6931726"/>
-              <a:chOff x="0" y="75569"/>
-              <a:chExt cx="7520473" cy="6931726"/>
+              <a:off x="360983" y="-36863"/>
+              <a:ext cx="7191610" cy="6931726"/>
+              <a:chOff x="360983" y="-36863"/>
+              <a:chExt cx="7191610" cy="6931726"/>
             </a:xfrm>
           </p:grpSpPr>
           <p:pic>
             <p:nvPicPr>
-              <p:cNvPr id="5" name="Picture 4" descr="A screenshot of a graph&#10;&#10;Description automatically generated">
+              <p:cNvPr id="5" name="Picture 4">
                 <a:extLst>
                   <a:ext uri="{FF2B5EF4-FFF2-40B4-BE49-F238E27FC236}">
                     <a16:creationId xmlns:a16="http://schemas.microsoft.com/office/drawing/2014/main" id="{255D262A-AFC2-51DE-EC34-61C4487DD97D}"/>
@@ -3409,13 +3409,13 @@
                   </a:ext>
                 </a:extLst>
               </a:blip>
-              <a:srcRect r="17034"/>
+              <a:srcRect l="12575" r="17990"/>
               <a:stretch/>
             </p:blipFill>
             <p:spPr>
               <a:xfrm>
-                <a:off x="0" y="75569"/>
-                <a:ext cx="7520473" cy="6931726"/>
+                <a:off x="576049" y="-36863"/>
+                <a:ext cx="6976544" cy="6931726"/>
               </a:xfrm>
               <a:prstGeom prst="rect">
                 <a:avLst/>
@@ -3459,7 +3459,7 @@
             </p:blipFill>
             <p:spPr>
               <a:xfrm>
-                <a:off x="4533130" y="3601604"/>
+                <a:off x="3820953" y="3721718"/>
                 <a:ext cx="1716832" cy="914416"/>
               </a:xfrm>
               <a:prstGeom prst="rect">
@@ -3504,7 +3504,7 @@
             </p:blipFill>
             <p:spPr>
               <a:xfrm>
-                <a:off x="6096000" y="3638941"/>
+                <a:off x="5383177" y="3677088"/>
                 <a:ext cx="1313006" cy="914416"/>
               </a:xfrm>
               <a:prstGeom prst="rect">
@@ -3549,7 +3549,7 @@
             </p:blipFill>
             <p:spPr>
               <a:xfrm>
-                <a:off x="881296" y="3869822"/>
+                <a:off x="360983" y="3721718"/>
                 <a:ext cx="1071474" cy="674188"/>
               </a:xfrm>
               <a:prstGeom prst="rect">
@@ -3572,7 +3572,7 @@
           </p:nvSpPr>
           <p:spPr>
             <a:xfrm>
-              <a:off x="1647970" y="4001156"/>
+              <a:off x="1097579" y="3834539"/>
               <a:ext cx="609600" cy="261610"/>
             </a:xfrm>
             <a:prstGeom prst="rect">
@@ -3610,7 +3610,7 @@
           </p:nvSpPr>
           <p:spPr>
             <a:xfrm>
-              <a:off x="1647970" y="4272583"/>
+              <a:off x="1097579" y="4134296"/>
               <a:ext cx="609600" cy="261610"/>
             </a:xfrm>
             <a:prstGeom prst="rect">

--- a/Figures/Niwot/combo_edits.pptx
+++ b/Figures/Niwot/combo_edits.pptx
@@ -3351,10 +3351,10 @@
         </p:nvGrpSpPr>
         <p:grpSpPr>
           <a:xfrm>
-            <a:off x="360983" y="-36863"/>
-            <a:ext cx="7191610" cy="6931726"/>
-            <a:chOff x="360983" y="-36863"/>
-            <a:chExt cx="7191610" cy="6931726"/>
+            <a:off x="360983" y="-73726"/>
+            <a:ext cx="6514602" cy="6931726"/>
+            <a:chOff x="360983" y="-73726"/>
+            <a:chExt cx="6514602" cy="6931726"/>
           </a:xfrm>
         </p:grpSpPr>
         <p:grpSp>
@@ -3371,10 +3371,10 @@
           </p:nvGrpSpPr>
           <p:grpSpPr>
             <a:xfrm>
-              <a:off x="360983" y="-36863"/>
-              <a:ext cx="7191610" cy="6931726"/>
-              <a:chOff x="360983" y="-36863"/>
-              <a:chExt cx="7191610" cy="6931726"/>
+              <a:off x="360983" y="-73726"/>
+              <a:ext cx="6514602" cy="6931726"/>
+              <a:chOff x="360983" y="-73726"/>
+              <a:chExt cx="6514602" cy="6931726"/>
             </a:xfrm>
           </p:grpSpPr>
           <p:pic>
@@ -3409,13 +3409,13 @@
                   </a:ext>
                 </a:extLst>
               </a:blip>
-              <a:srcRect l="12575" r="17990"/>
+              <a:srcRect l="11437" r="16578"/>
               <a:stretch/>
             </p:blipFill>
             <p:spPr>
               <a:xfrm>
-                <a:off x="576049" y="-36863"/>
-                <a:ext cx="6976544" cy="6931726"/>
+                <a:off x="364080" y="-73726"/>
+                <a:ext cx="6511505" cy="6931726"/>
               </a:xfrm>
               <a:prstGeom prst="rect">
                 <a:avLst/>

--- a/Figures/Niwot/combo_edits.pptx
+++ b/Figures/Niwot/combo_edits.pptx
@@ -3351,10 +3351,10 @@
         </p:nvGrpSpPr>
         <p:grpSpPr>
           <a:xfrm>
-            <a:off x="360983" y="-73726"/>
-            <a:ext cx="6514602" cy="6931726"/>
-            <a:chOff x="360983" y="-73726"/>
-            <a:chExt cx="6514602" cy="6931726"/>
+            <a:off x="-61546" y="-323174"/>
+            <a:ext cx="7519765" cy="6931726"/>
+            <a:chOff x="-504606" y="-144064"/>
+            <a:chExt cx="7519765" cy="6931726"/>
           </a:xfrm>
         </p:grpSpPr>
         <p:grpSp>
@@ -3371,10 +3371,10 @@
           </p:nvGrpSpPr>
           <p:grpSpPr>
             <a:xfrm>
-              <a:off x="360983" y="-73726"/>
-              <a:ext cx="6514602" cy="6931726"/>
-              <a:chOff x="360983" y="-73726"/>
-              <a:chExt cx="6514602" cy="6931726"/>
+              <a:off x="-504606" y="-144064"/>
+              <a:ext cx="7519765" cy="6931726"/>
+              <a:chOff x="-504606" y="-144064"/>
+              <a:chExt cx="7519765" cy="6931726"/>
             </a:xfrm>
           </p:grpSpPr>
           <p:pic>
@@ -3409,13 +3409,13 @@
                   </a:ext>
                 </a:extLst>
               </a:blip>
-              <a:srcRect l="11437" r="16578"/>
+              <a:srcRect l="-1355" t="-4111" r="18197" b="4111"/>
               <a:stretch/>
             </p:blipFill>
             <p:spPr>
               <a:xfrm>
-                <a:off x="364080" y="-73726"/>
-                <a:ext cx="6511505" cy="6931726"/>
+                <a:off x="-504606" y="-144064"/>
+                <a:ext cx="7519765" cy="6931726"/>
               </a:xfrm>
               <a:prstGeom prst="rect">
                 <a:avLst/>
@@ -3549,7 +3549,7 @@
             </p:blipFill>
             <p:spPr>
               <a:xfrm>
-                <a:off x="360983" y="3721718"/>
+                <a:off x="724792" y="3917316"/>
                 <a:ext cx="1071474" cy="674188"/>
               </a:xfrm>
               <a:prstGeom prst="rect">
@@ -3572,7 +3572,7 @@
           </p:nvSpPr>
           <p:spPr>
             <a:xfrm>
-              <a:off x="1097579" y="3834539"/>
+              <a:off x="1461388" y="4030137"/>
               <a:ext cx="609600" cy="261610"/>
             </a:xfrm>
             <a:prstGeom prst="rect">
@@ -3610,7 +3610,7 @@
           </p:nvSpPr>
           <p:spPr>
             <a:xfrm>
-              <a:off x="1097579" y="4134296"/>
+              <a:off x="1461388" y="4329894"/>
               <a:ext cx="609600" cy="261610"/>
             </a:xfrm>
             <a:prstGeom prst="rect">

--- a/Figures/Niwot/combo_edits.pptx
+++ b/Figures/Niwot/combo_edits.pptx
@@ -270,7 +270,7 @@
           <a:p>
             <a:fld id="{D0430AAF-1F30-4EDE-8277-1D3F63129C92}" type="datetimeFigureOut">
               <a:rPr lang="en-US" smtClean="0"/>
-              <a:t>6/10/2024</a:t>
+              <a:t>6/14/2024</a:t>
             </a:fld>
             <a:endParaRPr lang="en-US"/>
           </a:p>
@@ -468,7 +468,7 @@
           <a:p>
             <a:fld id="{D0430AAF-1F30-4EDE-8277-1D3F63129C92}" type="datetimeFigureOut">
               <a:rPr lang="en-US" smtClean="0"/>
-              <a:t>6/10/2024</a:t>
+              <a:t>6/14/2024</a:t>
             </a:fld>
             <a:endParaRPr lang="en-US"/>
           </a:p>
@@ -676,7 +676,7 @@
           <a:p>
             <a:fld id="{D0430AAF-1F30-4EDE-8277-1D3F63129C92}" type="datetimeFigureOut">
               <a:rPr lang="en-US" smtClean="0"/>
-              <a:t>6/10/2024</a:t>
+              <a:t>6/14/2024</a:t>
             </a:fld>
             <a:endParaRPr lang="en-US"/>
           </a:p>
@@ -874,7 +874,7 @@
           <a:p>
             <a:fld id="{D0430AAF-1F30-4EDE-8277-1D3F63129C92}" type="datetimeFigureOut">
               <a:rPr lang="en-US" smtClean="0"/>
-              <a:t>6/10/2024</a:t>
+              <a:t>6/14/2024</a:t>
             </a:fld>
             <a:endParaRPr lang="en-US"/>
           </a:p>
@@ -1149,7 +1149,7 @@
           <a:p>
             <a:fld id="{D0430AAF-1F30-4EDE-8277-1D3F63129C92}" type="datetimeFigureOut">
               <a:rPr lang="en-US" smtClean="0"/>
-              <a:t>6/10/2024</a:t>
+              <a:t>6/14/2024</a:t>
             </a:fld>
             <a:endParaRPr lang="en-US"/>
           </a:p>
@@ -1414,7 +1414,7 @@
           <a:p>
             <a:fld id="{D0430AAF-1F30-4EDE-8277-1D3F63129C92}" type="datetimeFigureOut">
               <a:rPr lang="en-US" smtClean="0"/>
-              <a:t>6/10/2024</a:t>
+              <a:t>6/14/2024</a:t>
             </a:fld>
             <a:endParaRPr lang="en-US"/>
           </a:p>
@@ -1826,7 +1826,7 @@
           <a:p>
             <a:fld id="{D0430AAF-1F30-4EDE-8277-1D3F63129C92}" type="datetimeFigureOut">
               <a:rPr lang="en-US" smtClean="0"/>
-              <a:t>6/10/2024</a:t>
+              <a:t>6/14/2024</a:t>
             </a:fld>
             <a:endParaRPr lang="en-US"/>
           </a:p>
@@ -1967,7 +1967,7 @@
           <a:p>
             <a:fld id="{D0430AAF-1F30-4EDE-8277-1D3F63129C92}" type="datetimeFigureOut">
               <a:rPr lang="en-US" smtClean="0"/>
-              <a:t>6/10/2024</a:t>
+              <a:t>6/14/2024</a:t>
             </a:fld>
             <a:endParaRPr lang="en-US"/>
           </a:p>
@@ -2080,7 +2080,7 @@
           <a:p>
             <a:fld id="{D0430AAF-1F30-4EDE-8277-1D3F63129C92}" type="datetimeFigureOut">
               <a:rPr lang="en-US" smtClean="0"/>
-              <a:t>6/10/2024</a:t>
+              <a:t>6/14/2024</a:t>
             </a:fld>
             <a:endParaRPr lang="en-US"/>
           </a:p>
@@ -2391,7 +2391,7 @@
           <a:p>
             <a:fld id="{D0430AAF-1F30-4EDE-8277-1D3F63129C92}" type="datetimeFigureOut">
               <a:rPr lang="en-US" smtClean="0"/>
-              <a:t>6/10/2024</a:t>
+              <a:t>6/14/2024</a:t>
             </a:fld>
             <a:endParaRPr lang="en-US"/>
           </a:p>
@@ -2679,7 +2679,7 @@
           <a:p>
             <a:fld id="{D0430AAF-1F30-4EDE-8277-1D3F63129C92}" type="datetimeFigureOut">
               <a:rPr lang="en-US" smtClean="0"/>
-              <a:t>6/10/2024</a:t>
+              <a:t>6/14/2024</a:t>
             </a:fld>
             <a:endParaRPr lang="en-US"/>
           </a:p>
@@ -2920,7 +2920,7 @@
           <a:p>
             <a:fld id="{D0430AAF-1F30-4EDE-8277-1D3F63129C92}" type="datetimeFigureOut">
               <a:rPr lang="en-US" smtClean="0"/>
-              <a:t>6/10/2024</a:t>
+              <a:t>6/14/2024</a:t>
             </a:fld>
             <a:endParaRPr lang="en-US"/>
           </a:p>
@@ -3351,10 +3351,10 @@
         </p:nvGrpSpPr>
         <p:grpSpPr>
           <a:xfrm>
-            <a:off x="-61546" y="-323174"/>
-            <a:ext cx="7519765" cy="6931726"/>
-            <a:chOff x="-504606" y="-144064"/>
-            <a:chExt cx="7519765" cy="6931726"/>
+            <a:off x="395654" y="0"/>
+            <a:ext cx="7224084" cy="6931726"/>
+            <a:chOff x="-132246" y="9427"/>
+            <a:chExt cx="7224084" cy="6931726"/>
           </a:xfrm>
         </p:grpSpPr>
         <p:grpSp>
@@ -3371,10 +3371,10 @@
           </p:nvGrpSpPr>
           <p:grpSpPr>
             <a:xfrm>
-              <a:off x="-504606" y="-144064"/>
-              <a:ext cx="7519765" cy="6931726"/>
-              <a:chOff x="-504606" y="-144064"/>
-              <a:chExt cx="7519765" cy="6931726"/>
+              <a:off x="-132246" y="9427"/>
+              <a:ext cx="7224084" cy="6931726"/>
+              <a:chOff x="-132246" y="9427"/>
+              <a:chExt cx="7224084" cy="6931726"/>
             </a:xfrm>
           </p:grpSpPr>
           <p:pic>
@@ -3409,13 +3409,13 @@
                   </a:ext>
                 </a:extLst>
               </a:blip>
-              <a:srcRect l="-1355" t="-4111" r="18197" b="4111"/>
+              <a:srcRect l="868" r="19416"/>
               <a:stretch/>
             </p:blipFill>
             <p:spPr>
               <a:xfrm>
-                <a:off x="-504606" y="-144064"/>
-                <a:ext cx="7519765" cy="6931726"/>
+                <a:off x="-132246" y="9427"/>
+                <a:ext cx="7224084" cy="6931726"/>
               </a:xfrm>
               <a:prstGeom prst="rect">
                 <a:avLst/>
